--- a/docs/线性代数学习.pptx
+++ b/docs/线性代数学习.pptx
@@ -13,6 +13,9 @@
     <p:sldId id="266" r:id="rId7"/>
     <p:sldId id="267" r:id="rId8"/>
     <p:sldId id="268" r:id="rId9"/>
+    <p:sldId id="269" r:id="rId10"/>
+    <p:sldId id="270" r:id="rId11"/>
+    <p:sldId id="271" r:id="rId12"/>
   </p:sldIdLst>
   <p:sldSz cx="12192000" cy="6858000"/>
   <p:notesSz cx="6858000" cy="9144000"/>
@@ -248,7 +251,7 @@
           <a:p>
             <a:fld id="{15E3A115-6D43-49BD-A645-8C004FE3034A}" type="datetimeFigureOut">
               <a:rPr lang="zh-CN" altLang="en-US" smtClean="0"/>
-              <a:t>2018/6/7</a:t>
+              <a:t>2018/6/9/Sat</a:t>
             </a:fld>
             <a:endParaRPr lang="zh-CN" altLang="en-US"/>
           </a:p>
@@ -416,7 +419,7 @@
           <a:p>
             <a:fld id="{15E3A115-6D43-49BD-A645-8C004FE3034A}" type="datetimeFigureOut">
               <a:rPr lang="zh-CN" altLang="en-US" smtClean="0"/>
-              <a:t>2018/6/7</a:t>
+              <a:t>2018/6/9/Sat</a:t>
             </a:fld>
             <a:endParaRPr lang="zh-CN" altLang="en-US"/>
           </a:p>
@@ -594,7 +597,7 @@
           <a:p>
             <a:fld id="{15E3A115-6D43-49BD-A645-8C004FE3034A}" type="datetimeFigureOut">
               <a:rPr lang="zh-CN" altLang="en-US" smtClean="0"/>
-              <a:t>2018/6/7</a:t>
+              <a:t>2018/6/9/Sat</a:t>
             </a:fld>
             <a:endParaRPr lang="zh-CN" altLang="en-US"/>
           </a:p>
@@ -762,7 +765,7 @@
           <a:p>
             <a:fld id="{15E3A115-6D43-49BD-A645-8C004FE3034A}" type="datetimeFigureOut">
               <a:rPr lang="zh-CN" altLang="en-US" smtClean="0"/>
-              <a:t>2018/6/7</a:t>
+              <a:t>2018/6/9/Sat</a:t>
             </a:fld>
             <a:endParaRPr lang="zh-CN" altLang="en-US"/>
           </a:p>
@@ -1007,7 +1010,7 @@
           <a:p>
             <a:fld id="{15E3A115-6D43-49BD-A645-8C004FE3034A}" type="datetimeFigureOut">
               <a:rPr lang="zh-CN" altLang="en-US" smtClean="0"/>
-              <a:t>2018/6/7</a:t>
+              <a:t>2018/6/9/Sat</a:t>
             </a:fld>
             <a:endParaRPr lang="zh-CN" altLang="en-US"/>
           </a:p>
@@ -1236,7 +1239,7 @@
           <a:p>
             <a:fld id="{15E3A115-6D43-49BD-A645-8C004FE3034A}" type="datetimeFigureOut">
               <a:rPr lang="zh-CN" altLang="en-US" smtClean="0"/>
-              <a:t>2018/6/7</a:t>
+              <a:t>2018/6/9/Sat</a:t>
             </a:fld>
             <a:endParaRPr lang="zh-CN" altLang="en-US"/>
           </a:p>
@@ -1600,7 +1603,7 @@
           <a:p>
             <a:fld id="{15E3A115-6D43-49BD-A645-8C004FE3034A}" type="datetimeFigureOut">
               <a:rPr lang="zh-CN" altLang="en-US" smtClean="0"/>
-              <a:t>2018/6/7</a:t>
+              <a:t>2018/6/9/Sat</a:t>
             </a:fld>
             <a:endParaRPr lang="zh-CN" altLang="en-US"/>
           </a:p>
@@ -1717,7 +1720,7 @@
           <a:p>
             <a:fld id="{15E3A115-6D43-49BD-A645-8C004FE3034A}" type="datetimeFigureOut">
               <a:rPr lang="zh-CN" altLang="en-US" smtClean="0"/>
-              <a:t>2018/6/7</a:t>
+              <a:t>2018/6/9/Sat</a:t>
             </a:fld>
             <a:endParaRPr lang="zh-CN" altLang="en-US"/>
           </a:p>
@@ -1812,7 +1815,7 @@
           <a:p>
             <a:fld id="{15E3A115-6D43-49BD-A645-8C004FE3034A}" type="datetimeFigureOut">
               <a:rPr lang="zh-CN" altLang="en-US" smtClean="0"/>
-              <a:t>2018/6/7</a:t>
+              <a:t>2018/6/9/Sat</a:t>
             </a:fld>
             <a:endParaRPr lang="zh-CN" altLang="en-US"/>
           </a:p>
@@ -2087,7 +2090,7 @@
           <a:p>
             <a:fld id="{15E3A115-6D43-49BD-A645-8C004FE3034A}" type="datetimeFigureOut">
               <a:rPr lang="zh-CN" altLang="en-US" smtClean="0"/>
-              <a:t>2018/6/7</a:t>
+              <a:t>2018/6/9/Sat</a:t>
             </a:fld>
             <a:endParaRPr lang="zh-CN" altLang="en-US"/>
           </a:p>
@@ -2339,7 +2342,7 @@
           <a:p>
             <a:fld id="{15E3A115-6D43-49BD-A645-8C004FE3034A}" type="datetimeFigureOut">
               <a:rPr lang="zh-CN" altLang="en-US" smtClean="0"/>
-              <a:t>2018/6/7</a:t>
+              <a:t>2018/6/9/Sat</a:t>
             </a:fld>
             <a:endParaRPr lang="zh-CN" altLang="en-US"/>
           </a:p>
@@ -2550,7 +2553,7 @@
           <a:p>
             <a:fld id="{15E3A115-6D43-49BD-A645-8C004FE3034A}" type="datetimeFigureOut">
               <a:rPr lang="zh-CN" altLang="en-US" smtClean="0"/>
-              <a:t>2018/6/7</a:t>
+              <a:t>2018/6/9/Sat</a:t>
             </a:fld>
             <a:endParaRPr lang="zh-CN" altLang="en-US"/>
           </a:p>
@@ -3669,6 +3672,990 @@
 </p:sld>
 </file>
 
+<file path=ppt/slides/slide10.xml><?xml version="1.0" encoding="utf-8"?>
+<p:sld xmlns:a="http://schemas.openxmlformats.org/drawingml/2006/main" xmlns:r="http://schemas.openxmlformats.org/officeDocument/2006/relationships" xmlns:p="http://schemas.openxmlformats.org/presentationml/2006/main">
+  <p:cSld>
+    <p:bg>
+      <p:bgPr>
+        <a:solidFill>
+          <a:schemeClr val="tx2">
+            <a:lumMod val="75000"/>
+          </a:schemeClr>
+        </a:solidFill>
+        <a:effectLst/>
+      </p:bgPr>
+    </p:bg>
+    <p:spTree>
+      <p:nvGrpSpPr>
+        <p:cNvPr id="1" name=""/>
+        <p:cNvGrpSpPr/>
+        <p:nvPr/>
+      </p:nvGrpSpPr>
+      <p:grpSpPr>
+        <a:xfrm>
+          <a:off x="0" y="0"/>
+          <a:ext cx="0" cy="0"/>
+          <a:chOff x="0" y="0"/>
+          <a:chExt cx="0" cy="0"/>
+        </a:xfrm>
+      </p:grpSpPr>
+      <p:sp>
+        <p:nvSpPr>
+          <p:cNvPr id="3" name="文本框 2">
+            <a:extLst>
+              <a:ext uri="{FF2B5EF4-FFF2-40B4-BE49-F238E27FC236}">
+                <a16:creationId xmlns:a16="http://schemas.microsoft.com/office/drawing/2014/main" id="{2968042A-CE51-4F50-8FCB-EB1D1D1A3751}"/>
+              </a:ext>
+            </a:extLst>
+          </p:cNvPr>
+          <p:cNvSpPr txBox="1"/>
+          <p:nvPr/>
+        </p:nvSpPr>
+        <p:spPr>
+          <a:xfrm>
+            <a:off x="381739" y="348966"/>
+            <a:ext cx="11107527" cy="584775"/>
+          </a:xfrm>
+          <a:prstGeom prst="rect">
+            <a:avLst/>
+          </a:prstGeom>
+          <a:noFill/>
+        </p:spPr>
+        <p:txBody>
+          <a:bodyPr wrap="square" rtlCol="0">
+            <a:spAutoFit/>
+          </a:bodyPr>
+          <a:lstStyle/>
+          <a:p>
+            <a:r>
+              <a:rPr lang="zh-CN" altLang="en-US" sz="3200" dirty="0">
+                <a:solidFill>
+                  <a:schemeClr val="bg1"/>
+                </a:solidFill>
+                <a:latin typeface="微软雅黑" panose="020B0503020204020204" pitchFamily="34" charset="-122"/>
+                <a:ea typeface="微软雅黑" panose="020B0503020204020204" pitchFamily="34" charset="-122"/>
+              </a:rPr>
+              <a:t>第五课 向量空间和子空间</a:t>
+            </a:r>
+            <a:endParaRPr lang="en-US" altLang="zh-CN" sz="3200" dirty="0">
+              <a:solidFill>
+                <a:schemeClr val="bg1"/>
+              </a:solidFill>
+              <a:latin typeface="微软雅黑" panose="020B0503020204020204" pitchFamily="34" charset="-122"/>
+              <a:ea typeface="微软雅黑" panose="020B0503020204020204" pitchFamily="34" charset="-122"/>
+            </a:endParaRPr>
+          </a:p>
+        </p:txBody>
+      </p:sp>
+      <p:sp>
+        <p:nvSpPr>
+          <p:cNvPr id="13" name="文本框 10">
+            <a:extLst/>
+          </p:cNvPr>
+          <p:cNvSpPr txBox="1"/>
+          <p:nvPr/>
+        </p:nvSpPr>
+        <p:spPr>
+          <a:xfrm>
+            <a:off x="815371" y="1131015"/>
+            <a:ext cx="10232843" cy="3139321"/>
+          </a:xfrm>
+          <a:prstGeom prst="rect">
+            <a:avLst/>
+          </a:prstGeom>
+          <a:noFill/>
+        </p:spPr>
+        <p:txBody>
+          <a:bodyPr wrap="square" rtlCol="0">
+            <a:spAutoFit/>
+          </a:bodyPr>
+          <a:lstStyle/>
+          <a:p>
+            <a:r>
+              <a:rPr lang="zh-CN" altLang="en-US" dirty="0">
+                <a:solidFill>
+                  <a:schemeClr val="bg1"/>
+                </a:solidFill>
+                <a:latin typeface="微软雅黑" panose="020B0503020204020204" pitchFamily="34" charset="-122"/>
+                <a:ea typeface="微软雅黑" panose="020B0503020204020204" pitchFamily="34" charset="-122"/>
+              </a:rPr>
+              <a:t>当把一个矩阵每列单独抽出来看，其实就是一个个向量，叫做列向量</a:t>
+            </a:r>
+            <a:endParaRPr lang="en-US" altLang="zh-CN" dirty="0">
+              <a:solidFill>
+                <a:schemeClr val="bg1"/>
+              </a:solidFill>
+              <a:latin typeface="微软雅黑" panose="020B0503020204020204" pitchFamily="34" charset="-122"/>
+              <a:ea typeface="微软雅黑" panose="020B0503020204020204" pitchFamily="34" charset="-122"/>
+            </a:endParaRPr>
+          </a:p>
+          <a:p>
+            <a:endParaRPr lang="en-US" altLang="zh-CN" dirty="0">
+              <a:solidFill>
+                <a:schemeClr val="bg1"/>
+              </a:solidFill>
+              <a:latin typeface="微软雅黑" panose="020B0503020204020204" pitchFamily="34" charset="-122"/>
+              <a:ea typeface="微软雅黑" panose="020B0503020204020204" pitchFamily="34" charset="-122"/>
+            </a:endParaRPr>
+          </a:p>
+          <a:p>
+            <a:r>
+              <a:rPr lang="zh-CN" altLang="en-US" dirty="0">
+                <a:solidFill>
+                  <a:schemeClr val="bg1"/>
+                </a:solidFill>
+                <a:latin typeface="微软雅黑" panose="020B0503020204020204" pitchFamily="34" charset="-122"/>
+                <a:ea typeface="微软雅黑" panose="020B0503020204020204" pitchFamily="34" charset="-122"/>
+              </a:rPr>
+              <a:t>从两个方面来研究向量空间：</a:t>
+            </a:r>
+            <a:endParaRPr lang="en-US" altLang="zh-CN" dirty="0">
+              <a:solidFill>
+                <a:schemeClr val="bg1"/>
+              </a:solidFill>
+              <a:latin typeface="微软雅黑" panose="020B0503020204020204" pitchFamily="34" charset="-122"/>
+              <a:ea typeface="微软雅黑" panose="020B0503020204020204" pitchFamily="34" charset="-122"/>
+            </a:endParaRPr>
+          </a:p>
+          <a:p>
+            <a:r>
+              <a:rPr lang="en-US" altLang="zh-CN" dirty="0">
+                <a:solidFill>
+                  <a:schemeClr val="bg1"/>
+                </a:solidFill>
+                <a:latin typeface="微软雅黑" panose="020B0503020204020204" pitchFamily="34" charset="-122"/>
+                <a:ea typeface="微软雅黑" panose="020B0503020204020204" pitchFamily="34" charset="-122"/>
+              </a:rPr>
+              <a:t>1</a:t>
+            </a:r>
+            <a:r>
+              <a:rPr lang="zh-CN" altLang="en-US" dirty="0">
+                <a:solidFill>
+                  <a:schemeClr val="bg1"/>
+                </a:solidFill>
+                <a:latin typeface="微软雅黑" panose="020B0503020204020204" pitchFamily="34" charset="-122"/>
+                <a:ea typeface="微软雅黑" panose="020B0503020204020204" pitchFamily="34" charset="-122"/>
+              </a:rPr>
+              <a:t>、一个</a:t>
+            </a:r>
+            <a:r>
+              <a:rPr lang="en-US" altLang="zh-CN" dirty="0">
+                <a:solidFill>
+                  <a:schemeClr val="bg1"/>
+                </a:solidFill>
+                <a:latin typeface="微软雅黑" panose="020B0503020204020204" pitchFamily="34" charset="-122"/>
+                <a:ea typeface="微软雅黑" panose="020B0503020204020204" pitchFamily="34" charset="-122"/>
+              </a:rPr>
+              <a:t>n</a:t>
+            </a:r>
+            <a:r>
+              <a:rPr lang="zh-CN" altLang="en-US" dirty="0">
+                <a:solidFill>
+                  <a:schemeClr val="bg1"/>
+                </a:solidFill>
+                <a:latin typeface="微软雅黑" panose="020B0503020204020204" pitchFamily="34" charset="-122"/>
+                <a:ea typeface="微软雅黑" panose="020B0503020204020204" pitchFamily="34" charset="-122"/>
+              </a:rPr>
+              <a:t>维向量空间，需要什么样的向量才能通过线性组合填满</a:t>
+            </a:r>
+            <a:endParaRPr lang="en-US" altLang="zh-CN" dirty="0">
+              <a:solidFill>
+                <a:schemeClr val="bg1"/>
+              </a:solidFill>
+              <a:latin typeface="微软雅黑" panose="020B0503020204020204" pitchFamily="34" charset="-122"/>
+              <a:ea typeface="微软雅黑" panose="020B0503020204020204" pitchFamily="34" charset="-122"/>
+            </a:endParaRPr>
+          </a:p>
+          <a:p>
+            <a:r>
+              <a:rPr lang="en-US" altLang="zh-CN" dirty="0">
+                <a:solidFill>
+                  <a:schemeClr val="bg1"/>
+                </a:solidFill>
+                <a:latin typeface="微软雅黑" panose="020B0503020204020204" pitchFamily="34" charset="-122"/>
+                <a:ea typeface="微软雅黑" panose="020B0503020204020204" pitchFamily="34" charset="-122"/>
+              </a:rPr>
+              <a:t>2</a:t>
+            </a:r>
+            <a:r>
+              <a:rPr lang="zh-CN" altLang="en-US" dirty="0">
+                <a:solidFill>
+                  <a:schemeClr val="bg1"/>
+                </a:solidFill>
+                <a:latin typeface="微软雅黑" panose="020B0503020204020204" pitchFamily="34" charset="-122"/>
+                <a:ea typeface="微软雅黑" panose="020B0503020204020204" pitchFamily="34" charset="-122"/>
+              </a:rPr>
+              <a:t>、一堆向量，能够组成什么样的向量空间</a:t>
+            </a:r>
+            <a:endParaRPr lang="en-US" altLang="zh-CN" dirty="0">
+              <a:solidFill>
+                <a:schemeClr val="bg1"/>
+              </a:solidFill>
+              <a:latin typeface="微软雅黑" panose="020B0503020204020204" pitchFamily="34" charset="-122"/>
+              <a:ea typeface="微软雅黑" panose="020B0503020204020204" pitchFamily="34" charset="-122"/>
+            </a:endParaRPr>
+          </a:p>
+          <a:p>
+            <a:endParaRPr lang="en-US" altLang="zh-CN" dirty="0">
+              <a:solidFill>
+                <a:schemeClr val="bg1"/>
+              </a:solidFill>
+              <a:latin typeface="微软雅黑" panose="020B0503020204020204" pitchFamily="34" charset="-122"/>
+              <a:ea typeface="微软雅黑" panose="020B0503020204020204" pitchFamily="34" charset="-122"/>
+            </a:endParaRPr>
+          </a:p>
+          <a:p>
+            <a:r>
+              <a:rPr lang="zh-CN" altLang="en-US" dirty="0">
+                <a:solidFill>
+                  <a:schemeClr val="bg1"/>
+                </a:solidFill>
+                <a:latin typeface="微软雅黑" panose="020B0503020204020204" pitchFamily="34" charset="-122"/>
+                <a:ea typeface="微软雅黑" panose="020B0503020204020204" pitchFamily="34" charset="-122"/>
+              </a:rPr>
+              <a:t>子空间：</a:t>
+            </a:r>
+            <a:endParaRPr lang="en-US" altLang="zh-CN" dirty="0">
+              <a:solidFill>
+                <a:schemeClr val="bg1"/>
+              </a:solidFill>
+              <a:latin typeface="微软雅黑" panose="020B0503020204020204" pitchFamily="34" charset="-122"/>
+              <a:ea typeface="微软雅黑" panose="020B0503020204020204" pitchFamily="34" charset="-122"/>
+            </a:endParaRPr>
+          </a:p>
+          <a:p>
+            <a:r>
+              <a:rPr lang="zh-CN" altLang="en-US" dirty="0">
+                <a:solidFill>
+                  <a:schemeClr val="bg1"/>
+                </a:solidFill>
+                <a:latin typeface="微软雅黑" panose="020B0503020204020204" pitchFamily="34" charset="-122"/>
+                <a:ea typeface="微软雅黑" panose="020B0503020204020204" pitchFamily="34" charset="-122"/>
+              </a:rPr>
+              <a:t>对于</a:t>
+            </a:r>
+            <a:r>
+              <a:rPr lang="en-US" altLang="zh-CN" dirty="0">
+                <a:solidFill>
+                  <a:schemeClr val="bg1"/>
+                </a:solidFill>
+                <a:latin typeface="微软雅黑" panose="020B0503020204020204" pitchFamily="34" charset="-122"/>
+                <a:ea typeface="微软雅黑" panose="020B0503020204020204" pitchFamily="34" charset="-122"/>
+              </a:rPr>
+              <a:t>n</a:t>
+            </a:r>
+            <a:r>
+              <a:rPr lang="zh-CN" altLang="en-US" dirty="0">
+                <a:solidFill>
+                  <a:schemeClr val="bg1"/>
+                </a:solidFill>
+                <a:latin typeface="微软雅黑" panose="020B0503020204020204" pitchFamily="34" charset="-122"/>
+                <a:ea typeface="微软雅黑" panose="020B0503020204020204" pitchFamily="34" charset="-122"/>
+              </a:rPr>
+              <a:t>维向量空间来说，其子空间可以是</a:t>
+            </a:r>
+            <a:r>
+              <a:rPr lang="en-US" altLang="zh-CN" dirty="0">
+                <a:solidFill>
+                  <a:schemeClr val="bg1"/>
+                </a:solidFill>
+                <a:latin typeface="微软雅黑" panose="020B0503020204020204" pitchFamily="34" charset="-122"/>
+                <a:ea typeface="微软雅黑" panose="020B0503020204020204" pitchFamily="34" charset="-122"/>
+              </a:rPr>
+              <a:t>n</a:t>
+            </a:r>
+            <a:r>
+              <a:rPr lang="zh-CN" altLang="en-US" dirty="0">
+                <a:solidFill>
+                  <a:schemeClr val="bg1"/>
+                </a:solidFill>
+                <a:latin typeface="微软雅黑" panose="020B0503020204020204" pitchFamily="34" charset="-122"/>
+                <a:ea typeface="微软雅黑" panose="020B0503020204020204" pitchFamily="34" charset="-122"/>
+              </a:rPr>
+              <a:t>维，</a:t>
+            </a:r>
+            <a:r>
+              <a:rPr lang="en-US" altLang="zh-CN" dirty="0">
+                <a:solidFill>
+                  <a:schemeClr val="bg1"/>
+                </a:solidFill>
+                <a:latin typeface="微软雅黑" panose="020B0503020204020204" pitchFamily="34" charset="-122"/>
+                <a:ea typeface="微软雅黑" panose="020B0503020204020204" pitchFamily="34" charset="-122"/>
+              </a:rPr>
+              <a:t>n-1</a:t>
+            </a:r>
+            <a:r>
+              <a:rPr lang="zh-CN" altLang="en-US" dirty="0">
+                <a:solidFill>
+                  <a:schemeClr val="bg1"/>
+                </a:solidFill>
+                <a:latin typeface="微软雅黑" panose="020B0503020204020204" pitchFamily="34" charset="-122"/>
+                <a:ea typeface="微软雅黑" panose="020B0503020204020204" pitchFamily="34" charset="-122"/>
+              </a:rPr>
+              <a:t>维。。。。</a:t>
+            </a:r>
+            <a:r>
+              <a:rPr lang="en-US" altLang="zh-CN" dirty="0">
+                <a:solidFill>
+                  <a:schemeClr val="bg1"/>
+                </a:solidFill>
+                <a:latin typeface="微软雅黑" panose="020B0503020204020204" pitchFamily="34" charset="-122"/>
+                <a:ea typeface="微软雅黑" panose="020B0503020204020204" pitchFamily="34" charset="-122"/>
+              </a:rPr>
+              <a:t>1</a:t>
+            </a:r>
+            <a:r>
+              <a:rPr lang="zh-CN" altLang="en-US" dirty="0">
+                <a:solidFill>
+                  <a:schemeClr val="bg1"/>
+                </a:solidFill>
+                <a:latin typeface="微软雅黑" panose="020B0503020204020204" pitchFamily="34" charset="-122"/>
+                <a:ea typeface="微软雅黑" panose="020B0503020204020204" pitchFamily="34" charset="-122"/>
+              </a:rPr>
+              <a:t>维</a:t>
+            </a:r>
+            <a:endParaRPr lang="en-US" altLang="zh-CN" dirty="0">
+              <a:solidFill>
+                <a:schemeClr val="bg1"/>
+              </a:solidFill>
+              <a:latin typeface="微软雅黑" panose="020B0503020204020204" pitchFamily="34" charset="-122"/>
+              <a:ea typeface="微软雅黑" panose="020B0503020204020204" pitchFamily="34" charset="-122"/>
+            </a:endParaRPr>
+          </a:p>
+          <a:p>
+            <a:r>
+              <a:rPr lang="zh-CN" altLang="en-US" dirty="0">
+                <a:solidFill>
+                  <a:schemeClr val="bg1"/>
+                </a:solidFill>
+                <a:latin typeface="微软雅黑" panose="020B0503020204020204" pitchFamily="34" charset="-122"/>
+                <a:ea typeface="微软雅黑" panose="020B0503020204020204" pitchFamily="34" charset="-122"/>
+              </a:rPr>
+              <a:t>如果是</a:t>
+            </a:r>
+            <a:r>
+              <a:rPr lang="en-US" altLang="zh-CN" dirty="0">
+                <a:solidFill>
+                  <a:schemeClr val="bg1"/>
+                </a:solidFill>
+                <a:latin typeface="微软雅黑" panose="020B0503020204020204" pitchFamily="34" charset="-122"/>
+                <a:ea typeface="微软雅黑" panose="020B0503020204020204" pitchFamily="34" charset="-122"/>
+              </a:rPr>
+              <a:t>n</a:t>
+            </a:r>
+            <a:r>
+              <a:rPr lang="zh-CN" altLang="en-US" dirty="0">
+                <a:solidFill>
+                  <a:schemeClr val="bg1"/>
+                </a:solidFill>
+                <a:latin typeface="微软雅黑" panose="020B0503020204020204" pitchFamily="34" charset="-122"/>
+                <a:ea typeface="微软雅黑" panose="020B0503020204020204" pitchFamily="34" charset="-122"/>
+              </a:rPr>
+              <a:t>维，那么子空间就是它自己</a:t>
+            </a:r>
+            <a:endParaRPr lang="en-US" altLang="zh-CN" dirty="0">
+              <a:solidFill>
+                <a:schemeClr val="bg1"/>
+              </a:solidFill>
+              <a:latin typeface="微软雅黑" panose="020B0503020204020204" pitchFamily="34" charset="-122"/>
+              <a:ea typeface="微软雅黑" panose="020B0503020204020204" pitchFamily="34" charset="-122"/>
+            </a:endParaRPr>
+          </a:p>
+          <a:p>
+            <a:r>
+              <a:rPr lang="zh-CN" altLang="en-US" dirty="0">
+                <a:solidFill>
+                  <a:schemeClr val="bg1"/>
+                </a:solidFill>
+                <a:latin typeface="微软雅黑" panose="020B0503020204020204" pitchFamily="34" charset="-122"/>
+                <a:ea typeface="微软雅黑" panose="020B0503020204020204" pitchFamily="34" charset="-122"/>
+              </a:rPr>
+              <a:t>如果是</a:t>
+            </a:r>
+            <a:r>
+              <a:rPr lang="en-US" altLang="zh-CN" dirty="0">
+                <a:solidFill>
+                  <a:schemeClr val="bg1"/>
+                </a:solidFill>
+                <a:latin typeface="微软雅黑" panose="020B0503020204020204" pitchFamily="34" charset="-122"/>
+                <a:ea typeface="微软雅黑" panose="020B0503020204020204" pitchFamily="34" charset="-122"/>
+              </a:rPr>
+              <a:t>n-1</a:t>
+            </a:r>
+            <a:r>
+              <a:rPr lang="zh-CN" altLang="en-US" dirty="0">
+                <a:solidFill>
+                  <a:schemeClr val="bg1"/>
+                </a:solidFill>
+                <a:latin typeface="微软雅黑" panose="020B0503020204020204" pitchFamily="34" charset="-122"/>
+                <a:ea typeface="微软雅黑" panose="020B0503020204020204" pitchFamily="34" charset="-122"/>
+              </a:rPr>
+              <a:t>维，有两种可能，向量只有</a:t>
+            </a:r>
+            <a:r>
+              <a:rPr lang="en-US" altLang="zh-CN" dirty="0">
+                <a:solidFill>
+                  <a:schemeClr val="bg1"/>
+                </a:solidFill>
+                <a:latin typeface="微软雅黑" panose="020B0503020204020204" pitchFamily="34" charset="-122"/>
+                <a:ea typeface="微软雅黑" panose="020B0503020204020204" pitchFamily="34" charset="-122"/>
+              </a:rPr>
+              <a:t>n-1</a:t>
+            </a:r>
+            <a:r>
+              <a:rPr lang="zh-CN" altLang="en-US" dirty="0">
+                <a:solidFill>
+                  <a:schemeClr val="bg1"/>
+                </a:solidFill>
+                <a:latin typeface="微软雅黑" panose="020B0503020204020204" pitchFamily="34" charset="-122"/>
+                <a:ea typeface="微软雅黑" panose="020B0503020204020204" pitchFamily="34" charset="-122"/>
+              </a:rPr>
+              <a:t>个，那么就不可能组成</a:t>
+            </a:r>
+            <a:r>
+              <a:rPr lang="en-US" altLang="zh-CN" dirty="0">
+                <a:solidFill>
+                  <a:schemeClr val="bg1"/>
+                </a:solidFill>
+                <a:latin typeface="微软雅黑" panose="020B0503020204020204" pitchFamily="34" charset="-122"/>
+                <a:ea typeface="微软雅黑" panose="020B0503020204020204" pitchFamily="34" charset="-122"/>
+              </a:rPr>
+              <a:t>n</a:t>
+            </a:r>
+            <a:r>
+              <a:rPr lang="zh-CN" altLang="en-US" dirty="0">
+                <a:solidFill>
+                  <a:schemeClr val="bg1"/>
+                </a:solidFill>
+                <a:latin typeface="微软雅黑" panose="020B0503020204020204" pitchFamily="34" charset="-122"/>
+                <a:ea typeface="微软雅黑" panose="020B0503020204020204" pitchFamily="34" charset="-122"/>
+              </a:rPr>
+              <a:t>维空间，第二种可能是向量很多，但存在共线的情况，真正做出贡献的只有</a:t>
+            </a:r>
+            <a:r>
+              <a:rPr lang="en-US" altLang="zh-CN" dirty="0">
+                <a:solidFill>
+                  <a:schemeClr val="bg1"/>
+                </a:solidFill>
+                <a:latin typeface="微软雅黑" panose="020B0503020204020204" pitchFamily="34" charset="-122"/>
+                <a:ea typeface="微软雅黑" panose="020B0503020204020204" pitchFamily="34" charset="-122"/>
+              </a:rPr>
+              <a:t>n-1</a:t>
+            </a:r>
+            <a:r>
+              <a:rPr lang="zh-CN" altLang="en-US" dirty="0">
+                <a:solidFill>
+                  <a:schemeClr val="bg1"/>
+                </a:solidFill>
+                <a:latin typeface="微软雅黑" panose="020B0503020204020204" pitchFamily="34" charset="-122"/>
+                <a:ea typeface="微软雅黑" panose="020B0503020204020204" pitchFamily="34" charset="-122"/>
+              </a:rPr>
+              <a:t>个，所以也只能组成</a:t>
+            </a:r>
+            <a:r>
+              <a:rPr lang="en-US" altLang="zh-CN" dirty="0">
+                <a:solidFill>
+                  <a:schemeClr val="bg1"/>
+                </a:solidFill>
+                <a:latin typeface="微软雅黑" panose="020B0503020204020204" pitchFamily="34" charset="-122"/>
+                <a:ea typeface="微软雅黑" panose="020B0503020204020204" pitchFamily="34" charset="-122"/>
+              </a:rPr>
+              <a:t>n-1</a:t>
+            </a:r>
+            <a:r>
+              <a:rPr lang="zh-CN" altLang="en-US" dirty="0">
+                <a:solidFill>
+                  <a:schemeClr val="bg1"/>
+                </a:solidFill>
+                <a:latin typeface="微软雅黑" panose="020B0503020204020204" pitchFamily="34" charset="-122"/>
+                <a:ea typeface="微软雅黑" panose="020B0503020204020204" pitchFamily="34" charset="-122"/>
+              </a:rPr>
+              <a:t>维的子空间</a:t>
+            </a:r>
+            <a:endParaRPr lang="en-US" altLang="zh-CN" dirty="0">
+              <a:solidFill>
+                <a:schemeClr val="bg1"/>
+              </a:solidFill>
+              <a:latin typeface="微软雅黑" panose="020B0503020204020204" pitchFamily="34" charset="-122"/>
+              <a:ea typeface="微软雅黑" panose="020B0503020204020204" pitchFamily="34" charset="-122"/>
+            </a:endParaRPr>
+          </a:p>
+        </p:txBody>
+      </p:sp>
+    </p:spTree>
+    <p:extLst>
+      <p:ext uri="{BB962C8B-B14F-4D97-AF65-F5344CB8AC3E}">
+        <p14:creationId xmlns:p14="http://schemas.microsoft.com/office/powerpoint/2010/main" val="3181160174"/>
+      </p:ext>
+    </p:extLst>
+  </p:cSld>
+  <p:clrMapOvr>
+    <a:masterClrMapping/>
+  </p:clrMapOvr>
+</p:sld>
+</file>
+
+<file path=ppt/slides/slide11.xml><?xml version="1.0" encoding="utf-8"?>
+<p:sld xmlns:a="http://schemas.openxmlformats.org/drawingml/2006/main" xmlns:r="http://schemas.openxmlformats.org/officeDocument/2006/relationships" xmlns:p="http://schemas.openxmlformats.org/presentationml/2006/main">
+  <p:cSld>
+    <p:bg>
+      <p:bgPr>
+        <a:solidFill>
+          <a:schemeClr val="tx2">
+            <a:lumMod val="75000"/>
+          </a:schemeClr>
+        </a:solidFill>
+        <a:effectLst/>
+      </p:bgPr>
+    </p:bg>
+    <p:spTree>
+      <p:nvGrpSpPr>
+        <p:cNvPr id="1" name=""/>
+        <p:cNvGrpSpPr/>
+        <p:nvPr/>
+      </p:nvGrpSpPr>
+      <p:grpSpPr>
+        <a:xfrm>
+          <a:off x="0" y="0"/>
+          <a:ext cx="0" cy="0"/>
+          <a:chOff x="0" y="0"/>
+          <a:chExt cx="0" cy="0"/>
+        </a:xfrm>
+      </p:grpSpPr>
+      <p:sp>
+        <p:nvSpPr>
+          <p:cNvPr id="3" name="文本框 2">
+            <a:extLst>
+              <a:ext uri="{FF2B5EF4-FFF2-40B4-BE49-F238E27FC236}">
+                <a16:creationId xmlns:a16="http://schemas.microsoft.com/office/drawing/2014/main" id="{2968042A-CE51-4F50-8FCB-EB1D1D1A3751}"/>
+              </a:ext>
+            </a:extLst>
+          </p:cNvPr>
+          <p:cNvSpPr txBox="1"/>
+          <p:nvPr/>
+        </p:nvSpPr>
+        <p:spPr>
+          <a:xfrm>
+            <a:off x="381739" y="348966"/>
+            <a:ext cx="11107527" cy="584775"/>
+          </a:xfrm>
+          <a:prstGeom prst="rect">
+            <a:avLst/>
+          </a:prstGeom>
+          <a:noFill/>
+        </p:spPr>
+        <p:txBody>
+          <a:bodyPr wrap="square" rtlCol="0">
+            <a:spAutoFit/>
+          </a:bodyPr>
+          <a:lstStyle/>
+          <a:p>
+            <a:r>
+              <a:rPr lang="zh-CN" altLang="en-US" sz="3200" dirty="0">
+                <a:solidFill>
+                  <a:schemeClr val="bg1"/>
+                </a:solidFill>
+                <a:latin typeface="微软雅黑" panose="020B0503020204020204" pitchFamily="34" charset="-122"/>
+                <a:ea typeface="微软雅黑" panose="020B0503020204020204" pitchFamily="34" charset="-122"/>
+              </a:rPr>
+              <a:t>第五课 列空间和零空间</a:t>
+            </a:r>
+            <a:endParaRPr lang="en-US" altLang="zh-CN" sz="3200" dirty="0">
+              <a:solidFill>
+                <a:schemeClr val="bg1"/>
+              </a:solidFill>
+              <a:latin typeface="微软雅黑" panose="020B0503020204020204" pitchFamily="34" charset="-122"/>
+              <a:ea typeface="微软雅黑" panose="020B0503020204020204" pitchFamily="34" charset="-122"/>
+            </a:endParaRPr>
+          </a:p>
+        </p:txBody>
+      </p:sp>
+      <p:sp>
+        <p:nvSpPr>
+          <p:cNvPr id="13" name="文本框 10">
+            <a:extLst/>
+          </p:cNvPr>
+          <p:cNvSpPr txBox="1"/>
+          <p:nvPr/>
+        </p:nvSpPr>
+        <p:spPr>
+          <a:xfrm>
+            <a:off x="815371" y="1131015"/>
+            <a:ext cx="10232843" cy="3693319"/>
+          </a:xfrm>
+          <a:prstGeom prst="rect">
+            <a:avLst/>
+          </a:prstGeom>
+          <a:noFill/>
+        </p:spPr>
+        <p:txBody>
+          <a:bodyPr wrap="square" rtlCol="0">
+            <a:spAutoFit/>
+          </a:bodyPr>
+          <a:lstStyle/>
+          <a:p>
+            <a:r>
+              <a:rPr lang="zh-CN" altLang="en-US" dirty="0">
+                <a:solidFill>
+                  <a:schemeClr val="bg1"/>
+                </a:solidFill>
+                <a:latin typeface="微软雅黑" panose="020B0503020204020204" pitchFamily="34" charset="-122"/>
+                <a:ea typeface="微软雅黑" panose="020B0503020204020204" pitchFamily="34" charset="-122"/>
+              </a:rPr>
+              <a:t>当把一个矩阵每列单独抽出来看，其实就是一个个向量，叫做列向量</a:t>
+            </a:r>
+            <a:endParaRPr lang="en-US" altLang="zh-CN" dirty="0">
+              <a:solidFill>
+                <a:schemeClr val="bg1"/>
+              </a:solidFill>
+              <a:latin typeface="微软雅黑" panose="020B0503020204020204" pitchFamily="34" charset="-122"/>
+              <a:ea typeface="微软雅黑" panose="020B0503020204020204" pitchFamily="34" charset="-122"/>
+            </a:endParaRPr>
+          </a:p>
+          <a:p>
+            <a:endParaRPr lang="en-US" altLang="zh-CN" dirty="0">
+              <a:solidFill>
+                <a:schemeClr val="bg1"/>
+              </a:solidFill>
+              <a:latin typeface="微软雅黑" panose="020B0503020204020204" pitchFamily="34" charset="-122"/>
+              <a:ea typeface="微软雅黑" panose="020B0503020204020204" pitchFamily="34" charset="-122"/>
+            </a:endParaRPr>
+          </a:p>
+          <a:p>
+            <a:r>
+              <a:rPr lang="zh-CN" altLang="en-US" dirty="0">
+                <a:solidFill>
+                  <a:schemeClr val="bg1"/>
+                </a:solidFill>
+                <a:latin typeface="微软雅黑" panose="020B0503020204020204" pitchFamily="34" charset="-122"/>
+                <a:ea typeface="微软雅黑" panose="020B0503020204020204" pitchFamily="34" charset="-122"/>
+              </a:rPr>
+              <a:t>从两个方面来研究向量空间：</a:t>
+            </a:r>
+            <a:endParaRPr lang="en-US" altLang="zh-CN" dirty="0">
+              <a:solidFill>
+                <a:schemeClr val="bg1"/>
+              </a:solidFill>
+              <a:latin typeface="微软雅黑" panose="020B0503020204020204" pitchFamily="34" charset="-122"/>
+              <a:ea typeface="微软雅黑" panose="020B0503020204020204" pitchFamily="34" charset="-122"/>
+            </a:endParaRPr>
+          </a:p>
+          <a:p>
+            <a:r>
+              <a:rPr lang="en-US" altLang="zh-CN" dirty="0">
+                <a:solidFill>
+                  <a:schemeClr val="bg1"/>
+                </a:solidFill>
+                <a:latin typeface="微软雅黑" panose="020B0503020204020204" pitchFamily="34" charset="-122"/>
+                <a:ea typeface="微软雅黑" panose="020B0503020204020204" pitchFamily="34" charset="-122"/>
+              </a:rPr>
+              <a:t>1</a:t>
+            </a:r>
+            <a:r>
+              <a:rPr lang="zh-CN" altLang="en-US" dirty="0">
+                <a:solidFill>
+                  <a:schemeClr val="bg1"/>
+                </a:solidFill>
+                <a:latin typeface="微软雅黑" panose="020B0503020204020204" pitchFamily="34" charset="-122"/>
+                <a:ea typeface="微软雅黑" panose="020B0503020204020204" pitchFamily="34" charset="-122"/>
+              </a:rPr>
+              <a:t>、一个</a:t>
+            </a:r>
+            <a:r>
+              <a:rPr lang="en-US" altLang="zh-CN" dirty="0">
+                <a:solidFill>
+                  <a:schemeClr val="bg1"/>
+                </a:solidFill>
+                <a:latin typeface="微软雅黑" panose="020B0503020204020204" pitchFamily="34" charset="-122"/>
+                <a:ea typeface="微软雅黑" panose="020B0503020204020204" pitchFamily="34" charset="-122"/>
+              </a:rPr>
+              <a:t>n</a:t>
+            </a:r>
+            <a:r>
+              <a:rPr lang="zh-CN" altLang="en-US" dirty="0">
+                <a:solidFill>
+                  <a:schemeClr val="bg1"/>
+                </a:solidFill>
+                <a:latin typeface="微软雅黑" panose="020B0503020204020204" pitchFamily="34" charset="-122"/>
+                <a:ea typeface="微软雅黑" panose="020B0503020204020204" pitchFamily="34" charset="-122"/>
+              </a:rPr>
+              <a:t>维向量空间，需要什么样的向量才能通过线性组合填满</a:t>
+            </a:r>
+            <a:endParaRPr lang="en-US" altLang="zh-CN" dirty="0">
+              <a:solidFill>
+                <a:schemeClr val="bg1"/>
+              </a:solidFill>
+              <a:latin typeface="微软雅黑" panose="020B0503020204020204" pitchFamily="34" charset="-122"/>
+              <a:ea typeface="微软雅黑" panose="020B0503020204020204" pitchFamily="34" charset="-122"/>
+            </a:endParaRPr>
+          </a:p>
+          <a:p>
+            <a:r>
+              <a:rPr lang="en-US" altLang="zh-CN" dirty="0">
+                <a:solidFill>
+                  <a:schemeClr val="bg1"/>
+                </a:solidFill>
+                <a:latin typeface="微软雅黑" panose="020B0503020204020204" pitchFamily="34" charset="-122"/>
+                <a:ea typeface="微软雅黑" panose="020B0503020204020204" pitchFamily="34" charset="-122"/>
+              </a:rPr>
+              <a:t>2</a:t>
+            </a:r>
+            <a:r>
+              <a:rPr lang="zh-CN" altLang="en-US" dirty="0">
+                <a:solidFill>
+                  <a:schemeClr val="bg1"/>
+                </a:solidFill>
+                <a:latin typeface="微软雅黑" panose="020B0503020204020204" pitchFamily="34" charset="-122"/>
+                <a:ea typeface="微软雅黑" panose="020B0503020204020204" pitchFamily="34" charset="-122"/>
+              </a:rPr>
+              <a:t>、一堆向量，能够组成什么样的向量空间</a:t>
+            </a:r>
+            <a:endParaRPr lang="en-US" altLang="zh-CN" dirty="0">
+              <a:solidFill>
+                <a:schemeClr val="bg1"/>
+              </a:solidFill>
+              <a:latin typeface="微软雅黑" panose="020B0503020204020204" pitchFamily="34" charset="-122"/>
+              <a:ea typeface="微软雅黑" panose="020B0503020204020204" pitchFamily="34" charset="-122"/>
+            </a:endParaRPr>
+          </a:p>
+          <a:p>
+            <a:endParaRPr lang="en-US" altLang="zh-CN" dirty="0">
+              <a:solidFill>
+                <a:schemeClr val="bg1"/>
+              </a:solidFill>
+              <a:latin typeface="微软雅黑" panose="020B0503020204020204" pitchFamily="34" charset="-122"/>
+              <a:ea typeface="微软雅黑" panose="020B0503020204020204" pitchFamily="34" charset="-122"/>
+            </a:endParaRPr>
+          </a:p>
+          <a:p>
+            <a:r>
+              <a:rPr lang="zh-CN" altLang="en-US" dirty="0">
+                <a:solidFill>
+                  <a:schemeClr val="bg1"/>
+                </a:solidFill>
+                <a:latin typeface="微软雅黑" panose="020B0503020204020204" pitchFamily="34" charset="-122"/>
+                <a:ea typeface="微软雅黑" panose="020B0503020204020204" pitchFamily="34" charset="-122"/>
+              </a:rPr>
+              <a:t>第一个问题：一定要</a:t>
+            </a:r>
+            <a:r>
+              <a:rPr lang="en-US" altLang="zh-CN" dirty="0">
+                <a:solidFill>
+                  <a:schemeClr val="bg1"/>
+                </a:solidFill>
+                <a:latin typeface="微软雅黑" panose="020B0503020204020204" pitchFamily="34" charset="-122"/>
+                <a:ea typeface="微软雅黑" panose="020B0503020204020204" pitchFamily="34" charset="-122"/>
+              </a:rPr>
+              <a:t>n</a:t>
+            </a:r>
+            <a:r>
+              <a:rPr lang="zh-CN" altLang="en-US" dirty="0">
+                <a:solidFill>
+                  <a:schemeClr val="bg1"/>
+                </a:solidFill>
+                <a:latin typeface="微软雅黑" panose="020B0503020204020204" pitchFamily="34" charset="-122"/>
+                <a:ea typeface="微软雅黑" panose="020B0503020204020204" pitchFamily="34" charset="-122"/>
+              </a:rPr>
+              <a:t>个线性无关的向量</a:t>
+            </a:r>
+            <a:endParaRPr lang="en-US" altLang="zh-CN" dirty="0">
+              <a:solidFill>
+                <a:schemeClr val="bg1"/>
+              </a:solidFill>
+              <a:latin typeface="微软雅黑" panose="020B0503020204020204" pitchFamily="34" charset="-122"/>
+              <a:ea typeface="微软雅黑" panose="020B0503020204020204" pitchFamily="34" charset="-122"/>
+            </a:endParaRPr>
+          </a:p>
+          <a:p>
+            <a:r>
+              <a:rPr lang="zh-CN" altLang="en-US" dirty="0">
+                <a:solidFill>
+                  <a:schemeClr val="bg1"/>
+                </a:solidFill>
+                <a:latin typeface="微软雅黑" panose="020B0503020204020204" pitchFamily="34" charset="-122"/>
+                <a:ea typeface="微软雅黑" panose="020B0503020204020204" pitchFamily="34" charset="-122"/>
+              </a:rPr>
+              <a:t>第二个问题：用矩阵的列作为向量，考虑线性方程组</a:t>
+            </a:r>
+            <a:endParaRPr lang="en-US" altLang="zh-CN" dirty="0">
+              <a:solidFill>
+                <a:schemeClr val="bg1"/>
+              </a:solidFill>
+              <a:latin typeface="微软雅黑" panose="020B0503020204020204" pitchFamily="34" charset="-122"/>
+              <a:ea typeface="微软雅黑" panose="020B0503020204020204" pitchFamily="34" charset="-122"/>
+            </a:endParaRPr>
+          </a:p>
+          <a:p>
+            <a:endParaRPr lang="en-US" altLang="zh-CN" dirty="0">
+              <a:solidFill>
+                <a:schemeClr val="bg1"/>
+              </a:solidFill>
+              <a:latin typeface="微软雅黑" panose="020B0503020204020204" pitchFamily="34" charset="-122"/>
+              <a:ea typeface="微软雅黑" panose="020B0503020204020204" pitchFamily="34" charset="-122"/>
+            </a:endParaRPr>
+          </a:p>
+          <a:p>
+            <a:r>
+              <a:rPr lang="zh-CN" altLang="en-US" dirty="0">
+                <a:solidFill>
+                  <a:schemeClr val="bg1"/>
+                </a:solidFill>
+                <a:latin typeface="微软雅黑" panose="020B0503020204020204" pitchFamily="34" charset="-122"/>
+                <a:ea typeface="微软雅黑" panose="020B0503020204020204" pitchFamily="34" charset="-122"/>
+              </a:rPr>
+              <a:t>其中</a:t>
+            </a:r>
+            <a:r>
+              <a:rPr lang="en-US" altLang="zh-CN" dirty="0">
+                <a:solidFill>
+                  <a:schemeClr val="bg1"/>
+                </a:solidFill>
+                <a:latin typeface="微软雅黑" panose="020B0503020204020204" pitchFamily="34" charset="-122"/>
+                <a:ea typeface="微软雅黑" panose="020B0503020204020204" pitchFamily="34" charset="-122"/>
+              </a:rPr>
+              <a:t>A</a:t>
+            </a:r>
+            <a:r>
+              <a:rPr lang="zh-CN" altLang="en-US" dirty="0">
+                <a:solidFill>
+                  <a:schemeClr val="bg1"/>
+                </a:solidFill>
+                <a:latin typeface="微软雅黑" panose="020B0503020204020204" pitchFamily="34" charset="-122"/>
+                <a:ea typeface="微软雅黑" panose="020B0503020204020204" pitchFamily="34" charset="-122"/>
+              </a:rPr>
+              <a:t>是矩阵，所有列组成一个向量空间，叫做列空间，而所有使等式成立的</a:t>
+            </a:r>
+            <a:r>
+              <a:rPr lang="en-US" altLang="zh-CN" dirty="0">
+                <a:solidFill>
+                  <a:schemeClr val="bg1"/>
+                </a:solidFill>
+                <a:latin typeface="微软雅黑" panose="020B0503020204020204" pitchFamily="34" charset="-122"/>
+                <a:ea typeface="微软雅黑" panose="020B0503020204020204" pitchFamily="34" charset="-122"/>
+              </a:rPr>
+              <a:t>x</a:t>
+            </a:r>
+            <a:r>
+              <a:rPr lang="zh-CN" altLang="en-US" dirty="0">
+                <a:solidFill>
+                  <a:schemeClr val="bg1"/>
+                </a:solidFill>
+                <a:latin typeface="微软雅黑" panose="020B0503020204020204" pitchFamily="34" charset="-122"/>
+                <a:ea typeface="微软雅黑" panose="020B0503020204020204" pitchFamily="34" charset="-122"/>
+              </a:rPr>
+              <a:t>，组成了线性方程组的解空间，其中</a:t>
+            </a:r>
+            <a:endParaRPr lang="en-US" altLang="zh-CN" dirty="0">
+              <a:solidFill>
+                <a:schemeClr val="bg1"/>
+              </a:solidFill>
+              <a:latin typeface="微软雅黑" panose="020B0503020204020204" pitchFamily="34" charset="-122"/>
+              <a:ea typeface="微软雅黑" panose="020B0503020204020204" pitchFamily="34" charset="-122"/>
+            </a:endParaRPr>
+          </a:p>
+          <a:p>
+            <a:endParaRPr lang="en-US" altLang="zh-CN" dirty="0">
+              <a:solidFill>
+                <a:schemeClr val="bg1"/>
+              </a:solidFill>
+              <a:latin typeface="微软雅黑" panose="020B0503020204020204" pitchFamily="34" charset="-122"/>
+              <a:ea typeface="微软雅黑" panose="020B0503020204020204" pitchFamily="34" charset="-122"/>
+            </a:endParaRPr>
+          </a:p>
+          <a:p>
+            <a:r>
+              <a:rPr lang="zh-CN" altLang="en-US" dirty="0">
+                <a:solidFill>
+                  <a:schemeClr val="bg1"/>
+                </a:solidFill>
+                <a:latin typeface="微软雅黑" panose="020B0503020204020204" pitchFamily="34" charset="-122"/>
+                <a:ea typeface="微软雅黑" panose="020B0503020204020204" pitchFamily="34" charset="-122"/>
+              </a:rPr>
+              <a:t>的所有解，叫做零空间</a:t>
+            </a:r>
+            <a:endParaRPr lang="en-US" altLang="zh-CN" dirty="0">
+              <a:solidFill>
+                <a:schemeClr val="bg1"/>
+              </a:solidFill>
+              <a:latin typeface="微软雅黑" panose="020B0503020204020204" pitchFamily="34" charset="-122"/>
+              <a:ea typeface="微软雅黑" panose="020B0503020204020204" pitchFamily="34" charset="-122"/>
+            </a:endParaRPr>
+          </a:p>
+        </p:txBody>
+      </p:sp>
+      <p:pic>
+        <p:nvPicPr>
+          <p:cNvPr id="2" name="图片 1">
+            <a:extLst>
+              <a:ext uri="{FF2B5EF4-FFF2-40B4-BE49-F238E27FC236}">
+                <a16:creationId xmlns:a16="http://schemas.microsoft.com/office/drawing/2014/main" id="{E3DDBF90-EA0A-4F74-9D65-1C4380CB0028}"/>
+              </a:ext>
+            </a:extLst>
+          </p:cNvPr>
+          <p:cNvPicPr>
+            <a:picLocks noChangeAspect="1"/>
+          </p:cNvPicPr>
+          <p:nvPr/>
+        </p:nvPicPr>
+        <p:blipFill>
+          <a:blip r:embed="rId2"/>
+          <a:stretch>
+            <a:fillRect/>
+          </a:stretch>
+        </p:blipFill>
+        <p:spPr>
+          <a:xfrm>
+            <a:off x="6438027" y="3114528"/>
+            <a:ext cx="876300" cy="314325"/>
+          </a:xfrm>
+          <a:prstGeom prst="rect">
+            <a:avLst/>
+          </a:prstGeom>
+        </p:spPr>
+      </p:pic>
+      <p:pic>
+        <p:nvPicPr>
+          <p:cNvPr id="4" name="图片 3">
+            <a:extLst>
+              <a:ext uri="{FF2B5EF4-FFF2-40B4-BE49-F238E27FC236}">
+                <a16:creationId xmlns:a16="http://schemas.microsoft.com/office/drawing/2014/main" id="{EF526444-E71C-4B8B-BFFC-E6F38E26F85D}"/>
+              </a:ext>
+            </a:extLst>
+          </p:cNvPr>
+          <p:cNvPicPr>
+            <a:picLocks noChangeAspect="1"/>
+          </p:cNvPicPr>
+          <p:nvPr/>
+        </p:nvPicPr>
+        <p:blipFill>
+          <a:blip r:embed="rId3"/>
+          <a:stretch>
+            <a:fillRect/>
+          </a:stretch>
+        </p:blipFill>
+        <p:spPr>
+          <a:xfrm>
+            <a:off x="2719431" y="3982342"/>
+            <a:ext cx="914400" cy="285750"/>
+          </a:xfrm>
+          <a:prstGeom prst="rect">
+            <a:avLst/>
+          </a:prstGeom>
+        </p:spPr>
+      </p:pic>
+    </p:spTree>
+    <p:extLst>
+      <p:ext uri="{BB962C8B-B14F-4D97-AF65-F5344CB8AC3E}">
+        <p14:creationId xmlns:p14="http://schemas.microsoft.com/office/powerpoint/2010/main" val="832126038"/>
+      </p:ext>
+    </p:extLst>
+  </p:cSld>
+  <p:clrMapOvr>
+    <a:masterClrMapping/>
+  </p:clrMapOvr>
+</p:sld>
+</file>
+
 <file path=ppt/slides/slide2.xml><?xml version="1.0" encoding="utf-8"?>
 <p:sld xmlns:a="http://schemas.openxmlformats.org/drawingml/2006/main" xmlns:r="http://schemas.openxmlformats.org/officeDocument/2006/relationships" xmlns:p="http://schemas.openxmlformats.org/presentationml/2006/main">
   <p:cSld>
@@ -5976,27 +6963,7 @@
                 <a:latin typeface="微软雅黑" panose="020B0503020204020204" pitchFamily="34" charset="-122"/>
                 <a:ea typeface="微软雅黑" panose="020B0503020204020204" pitchFamily="34" charset="-122"/>
               </a:rPr>
-              <a:t>乘数的第二行，对被乘</a:t>
-            </a:r>
-            <a:r>
-              <a:rPr lang="zh-CN" altLang="en-US" sz="1600" dirty="0">
-                <a:solidFill>
-                  <a:schemeClr val="bg1"/>
-                </a:solidFill>
-                <a:latin typeface="微软雅黑" panose="020B0503020204020204" pitchFamily="34" charset="-122"/>
-                <a:ea typeface="微软雅黑" panose="020B0503020204020204" pitchFamily="34" charset="-122"/>
-              </a:rPr>
-              <a:t>向量</a:t>
-            </a:r>
-            <a:r>
-              <a:rPr lang="zh-CN" altLang="en-US" sz="1600" dirty="0">
-                <a:solidFill>
-                  <a:schemeClr val="bg1"/>
-                </a:solidFill>
-                <a:latin typeface="微软雅黑" panose="020B0503020204020204" pitchFamily="34" charset="-122"/>
-                <a:ea typeface="微软雅黑" panose="020B0503020204020204" pitchFamily="34" charset="-122"/>
-              </a:rPr>
-              <a:t>的线性组合</a:t>
+              <a:t>乘数的第二行，对被乘向量的线性组合</a:t>
             </a:r>
             <a:endParaRPr lang="en-US" altLang="zh-CN" sz="1600" dirty="0">
               <a:solidFill>
@@ -6040,27 +7007,7 @@
                 <a:latin typeface="微软雅黑" panose="020B0503020204020204" pitchFamily="34" charset="-122"/>
                 <a:ea typeface="微软雅黑" panose="020B0503020204020204" pitchFamily="34" charset="-122"/>
               </a:rPr>
-              <a:t>乘数的第三行，对被乘</a:t>
-            </a:r>
-            <a:r>
-              <a:rPr lang="zh-CN" altLang="en-US" sz="1600" dirty="0">
-                <a:solidFill>
-                  <a:schemeClr val="bg1"/>
-                </a:solidFill>
-                <a:latin typeface="微软雅黑" panose="020B0503020204020204" pitchFamily="34" charset="-122"/>
-                <a:ea typeface="微软雅黑" panose="020B0503020204020204" pitchFamily="34" charset="-122"/>
-              </a:rPr>
-              <a:t>向量</a:t>
-            </a:r>
-            <a:r>
-              <a:rPr lang="zh-CN" altLang="en-US" sz="1600" dirty="0">
-                <a:solidFill>
-                  <a:schemeClr val="bg1"/>
-                </a:solidFill>
-                <a:latin typeface="微软雅黑" panose="020B0503020204020204" pitchFamily="34" charset="-122"/>
-                <a:ea typeface="微软雅黑" panose="020B0503020204020204" pitchFamily="34" charset="-122"/>
-              </a:rPr>
-              <a:t>的线性组合</a:t>
+              <a:t>乘数的第三行，对被乘向量的线性组合</a:t>
             </a:r>
             <a:endParaRPr lang="en-US" altLang="zh-CN" sz="1600" dirty="0">
               <a:solidFill>
@@ -6633,27 +7580,7 @@
                 <a:latin typeface="微软雅黑" panose="020B0503020204020204" pitchFamily="34" charset="-122"/>
                 <a:ea typeface="微软雅黑" panose="020B0503020204020204" pitchFamily="34" charset="-122"/>
               </a:rPr>
-              <a:t>被乘数的第一列，对乘数</a:t>
-            </a:r>
-            <a:r>
-              <a:rPr lang="zh-CN" altLang="en-US" sz="1600" dirty="0">
-                <a:solidFill>
-                  <a:schemeClr val="bg1"/>
-                </a:solidFill>
-                <a:latin typeface="微软雅黑" panose="020B0503020204020204" pitchFamily="34" charset="-122"/>
-                <a:ea typeface="微软雅黑" panose="020B0503020204020204" pitchFamily="34" charset="-122"/>
-              </a:rPr>
-              <a:t>向量</a:t>
-            </a:r>
-            <a:r>
-              <a:rPr lang="zh-CN" altLang="en-US" sz="1600" dirty="0">
-                <a:solidFill>
-                  <a:schemeClr val="bg1"/>
-                </a:solidFill>
-                <a:latin typeface="微软雅黑" panose="020B0503020204020204" pitchFamily="34" charset="-122"/>
-                <a:ea typeface="微软雅黑" panose="020B0503020204020204" pitchFamily="34" charset="-122"/>
-              </a:rPr>
-              <a:t>的线性组合</a:t>
+              <a:t>被乘数的第一列，对乘数向量的线性组合</a:t>
             </a:r>
             <a:endParaRPr lang="en-US" altLang="zh-CN" sz="1600" dirty="0">
               <a:solidFill>
@@ -6697,27 +7624,7 @@
                 <a:latin typeface="微软雅黑" panose="020B0503020204020204" pitchFamily="34" charset="-122"/>
                 <a:ea typeface="微软雅黑" panose="020B0503020204020204" pitchFamily="34" charset="-122"/>
               </a:rPr>
-              <a:t>被乘数的第二列，对乘数</a:t>
-            </a:r>
-            <a:r>
-              <a:rPr lang="zh-CN" altLang="en-US" sz="1600" dirty="0">
-                <a:solidFill>
-                  <a:schemeClr val="bg1"/>
-                </a:solidFill>
-                <a:latin typeface="微软雅黑" panose="020B0503020204020204" pitchFamily="34" charset="-122"/>
-                <a:ea typeface="微软雅黑" panose="020B0503020204020204" pitchFamily="34" charset="-122"/>
-              </a:rPr>
-              <a:t>向量</a:t>
-            </a:r>
-            <a:r>
-              <a:rPr lang="zh-CN" altLang="en-US" sz="1600" dirty="0">
-                <a:solidFill>
-                  <a:schemeClr val="bg1"/>
-                </a:solidFill>
-                <a:latin typeface="微软雅黑" panose="020B0503020204020204" pitchFamily="34" charset="-122"/>
-                <a:ea typeface="微软雅黑" panose="020B0503020204020204" pitchFamily="34" charset="-122"/>
-              </a:rPr>
-              <a:t>的线性组合</a:t>
+              <a:t>被乘数的第二列，对乘数向量的线性组合</a:t>
             </a:r>
             <a:endParaRPr lang="en-US" altLang="zh-CN" sz="1600" dirty="0">
               <a:solidFill>
@@ -6761,27 +7668,7 @@
                 <a:latin typeface="微软雅黑" panose="020B0503020204020204" pitchFamily="34" charset="-122"/>
                 <a:ea typeface="微软雅黑" panose="020B0503020204020204" pitchFamily="34" charset="-122"/>
               </a:rPr>
-              <a:t>被乘数的第三列，对乘数</a:t>
-            </a:r>
-            <a:r>
-              <a:rPr lang="zh-CN" altLang="en-US" sz="1600" dirty="0">
-                <a:solidFill>
-                  <a:schemeClr val="bg1"/>
-                </a:solidFill>
-                <a:latin typeface="微软雅黑" panose="020B0503020204020204" pitchFamily="34" charset="-122"/>
-                <a:ea typeface="微软雅黑" panose="020B0503020204020204" pitchFamily="34" charset="-122"/>
-              </a:rPr>
-              <a:t>向量</a:t>
-            </a:r>
-            <a:r>
-              <a:rPr lang="zh-CN" altLang="en-US" sz="1600" dirty="0">
-                <a:solidFill>
-                  <a:schemeClr val="bg1"/>
-                </a:solidFill>
-                <a:latin typeface="微软雅黑" panose="020B0503020204020204" pitchFamily="34" charset="-122"/>
-                <a:ea typeface="微软雅黑" panose="020B0503020204020204" pitchFamily="34" charset="-122"/>
-              </a:rPr>
-              <a:t>的线性组合</a:t>
+              <a:t>被乘数的第三列，对乘数向量的线性组合</a:t>
             </a:r>
             <a:endParaRPr lang="en-US" altLang="zh-CN" sz="1600" dirty="0">
               <a:solidFill>
@@ -9128,6 +10015,293 @@
     <p:extLst>
       <p:ext uri="{BB962C8B-B14F-4D97-AF65-F5344CB8AC3E}">
         <p14:creationId xmlns:p14="http://schemas.microsoft.com/office/powerpoint/2010/main" val="2722919912"/>
+      </p:ext>
+    </p:extLst>
+  </p:cSld>
+  <p:clrMapOvr>
+    <a:masterClrMapping/>
+  </p:clrMapOvr>
+</p:sld>
+</file>
+
+<file path=ppt/slides/slide9.xml><?xml version="1.0" encoding="utf-8"?>
+<p:sld xmlns:a="http://schemas.openxmlformats.org/drawingml/2006/main" xmlns:r="http://schemas.openxmlformats.org/officeDocument/2006/relationships" xmlns:p="http://schemas.openxmlformats.org/presentationml/2006/main">
+  <p:cSld>
+    <p:bg>
+      <p:bgPr>
+        <a:solidFill>
+          <a:schemeClr val="tx2">
+            <a:lumMod val="75000"/>
+          </a:schemeClr>
+        </a:solidFill>
+        <a:effectLst/>
+      </p:bgPr>
+    </p:bg>
+    <p:spTree>
+      <p:nvGrpSpPr>
+        <p:cNvPr id="1" name=""/>
+        <p:cNvGrpSpPr/>
+        <p:nvPr/>
+      </p:nvGrpSpPr>
+      <p:grpSpPr>
+        <a:xfrm>
+          <a:off x="0" y="0"/>
+          <a:ext cx="0" cy="0"/>
+          <a:chOff x="0" y="0"/>
+          <a:chExt cx="0" cy="0"/>
+        </a:xfrm>
+      </p:grpSpPr>
+      <p:sp>
+        <p:nvSpPr>
+          <p:cNvPr id="3" name="文本框 2">
+            <a:extLst>
+              <a:ext uri="{FF2B5EF4-FFF2-40B4-BE49-F238E27FC236}">
+                <a16:creationId xmlns:a16="http://schemas.microsoft.com/office/drawing/2014/main" id="{2968042A-CE51-4F50-8FCB-EB1D1D1A3751}"/>
+              </a:ext>
+            </a:extLst>
+          </p:cNvPr>
+          <p:cNvSpPr txBox="1"/>
+          <p:nvPr/>
+        </p:nvSpPr>
+        <p:spPr>
+          <a:xfrm>
+            <a:off x="381739" y="348966"/>
+            <a:ext cx="11107527" cy="584775"/>
+          </a:xfrm>
+          <a:prstGeom prst="rect">
+            <a:avLst/>
+          </a:prstGeom>
+          <a:noFill/>
+        </p:spPr>
+        <p:txBody>
+          <a:bodyPr wrap="square" rtlCol="0">
+            <a:spAutoFit/>
+          </a:bodyPr>
+          <a:lstStyle/>
+          <a:p>
+            <a:r>
+              <a:rPr lang="zh-CN" altLang="en-US" sz="3200" dirty="0">
+                <a:solidFill>
+                  <a:schemeClr val="bg1"/>
+                </a:solidFill>
+                <a:latin typeface="微软雅黑" panose="020B0503020204020204" pitchFamily="34" charset="-122"/>
+                <a:ea typeface="微软雅黑" panose="020B0503020204020204" pitchFamily="34" charset="-122"/>
+              </a:rPr>
+              <a:t>第五课 置换矩阵和转置矩阵</a:t>
+            </a:r>
+            <a:endParaRPr lang="en-US" altLang="zh-CN" sz="3200" dirty="0">
+              <a:solidFill>
+                <a:schemeClr val="bg1"/>
+              </a:solidFill>
+              <a:latin typeface="微软雅黑" panose="020B0503020204020204" pitchFamily="34" charset="-122"/>
+              <a:ea typeface="微软雅黑" panose="020B0503020204020204" pitchFamily="34" charset="-122"/>
+            </a:endParaRPr>
+          </a:p>
+        </p:txBody>
+      </p:sp>
+      <p:sp>
+        <p:nvSpPr>
+          <p:cNvPr id="13" name="文本框 10">
+            <a:extLst/>
+          </p:cNvPr>
+          <p:cNvSpPr txBox="1"/>
+          <p:nvPr/>
+        </p:nvSpPr>
+        <p:spPr>
+          <a:xfrm>
+            <a:off x="815371" y="1131015"/>
+            <a:ext cx="10232843" cy="1754326"/>
+          </a:xfrm>
+          <a:prstGeom prst="rect">
+            <a:avLst/>
+          </a:prstGeom>
+          <a:noFill/>
+        </p:spPr>
+        <p:txBody>
+          <a:bodyPr wrap="square" rtlCol="0">
+            <a:spAutoFit/>
+          </a:bodyPr>
+          <a:lstStyle/>
+          <a:p>
+            <a:r>
+              <a:rPr lang="zh-CN" altLang="en-US" dirty="0">
+                <a:solidFill>
+                  <a:schemeClr val="bg1"/>
+                </a:solidFill>
+                <a:latin typeface="微软雅黑" panose="020B0503020204020204" pitchFamily="34" charset="-122"/>
+                <a:ea typeface="微软雅黑" panose="020B0503020204020204" pitchFamily="34" charset="-122"/>
+              </a:rPr>
+              <a:t>如果做</a:t>
+            </a:r>
+            <a:r>
+              <a:rPr lang="en-US" altLang="zh-CN" dirty="0">
+                <a:solidFill>
+                  <a:schemeClr val="bg1"/>
+                </a:solidFill>
+                <a:latin typeface="微软雅黑" panose="020B0503020204020204" pitchFamily="34" charset="-122"/>
+                <a:ea typeface="微软雅黑" panose="020B0503020204020204" pitchFamily="34" charset="-122"/>
+              </a:rPr>
+              <a:t>LU</a:t>
+            </a:r>
+            <a:r>
+              <a:rPr lang="zh-CN" altLang="en-US" dirty="0">
+                <a:solidFill>
+                  <a:schemeClr val="bg1"/>
+                </a:solidFill>
+                <a:latin typeface="微软雅黑" panose="020B0503020204020204" pitchFamily="34" charset="-122"/>
+                <a:ea typeface="微软雅黑" panose="020B0503020204020204" pitchFamily="34" charset="-122"/>
+              </a:rPr>
+              <a:t>分解的时候，需要交换行的位置，那么就需要置换矩阵，所以更一般的分解</a:t>
+            </a:r>
+            <a:endParaRPr lang="en-US" altLang="zh-CN" dirty="0">
+              <a:solidFill>
+                <a:schemeClr val="bg1"/>
+              </a:solidFill>
+              <a:latin typeface="微软雅黑" panose="020B0503020204020204" pitchFamily="34" charset="-122"/>
+              <a:ea typeface="微软雅黑" panose="020B0503020204020204" pitchFamily="34" charset="-122"/>
+            </a:endParaRPr>
+          </a:p>
+          <a:p>
+            <a:endParaRPr lang="en-US" altLang="zh-CN" dirty="0">
+              <a:solidFill>
+                <a:schemeClr val="bg1"/>
+              </a:solidFill>
+              <a:latin typeface="微软雅黑" panose="020B0503020204020204" pitchFamily="34" charset="-122"/>
+              <a:ea typeface="微软雅黑" panose="020B0503020204020204" pitchFamily="34" charset="-122"/>
+            </a:endParaRPr>
+          </a:p>
+          <a:p>
+            <a:r>
+              <a:rPr lang="zh-CN" altLang="en-US" dirty="0">
+                <a:solidFill>
+                  <a:schemeClr val="bg1"/>
+                </a:solidFill>
+                <a:latin typeface="微软雅黑" panose="020B0503020204020204" pitchFamily="34" charset="-122"/>
+                <a:ea typeface="微软雅黑" panose="020B0503020204020204" pitchFamily="34" charset="-122"/>
+              </a:rPr>
+              <a:t>转置矩阵和逆矩阵的特性：两个矩阵的乘积的转置或逆，等于两个矩阵交换顺序后分别转置或求逆</a:t>
+            </a:r>
+            <a:endParaRPr lang="en-US" altLang="zh-CN" dirty="0">
+              <a:solidFill>
+                <a:schemeClr val="bg1"/>
+              </a:solidFill>
+              <a:latin typeface="微软雅黑" panose="020B0503020204020204" pitchFamily="34" charset="-122"/>
+              <a:ea typeface="微软雅黑" panose="020B0503020204020204" pitchFamily="34" charset="-122"/>
+            </a:endParaRPr>
+          </a:p>
+          <a:p>
+            <a:r>
+              <a:rPr lang="zh-CN" altLang="en-US" dirty="0">
+                <a:solidFill>
+                  <a:schemeClr val="bg1"/>
+                </a:solidFill>
+                <a:latin typeface="微软雅黑" panose="020B0503020204020204" pitchFamily="34" charset="-122"/>
+                <a:ea typeface="微软雅黑" panose="020B0503020204020204" pitchFamily="34" charset="-122"/>
+              </a:rPr>
+              <a:t>互为逆矩阵</a:t>
+            </a:r>
+            <a:endParaRPr lang="en-US" altLang="zh-CN" dirty="0">
+              <a:solidFill>
+                <a:schemeClr val="bg1"/>
+              </a:solidFill>
+              <a:latin typeface="微软雅黑" panose="020B0503020204020204" pitchFamily="34" charset="-122"/>
+              <a:ea typeface="微软雅黑" panose="020B0503020204020204" pitchFamily="34" charset="-122"/>
+            </a:endParaRPr>
+          </a:p>
+          <a:p>
+            <a:endParaRPr lang="en-US" altLang="zh-CN" dirty="0">
+              <a:solidFill>
+                <a:schemeClr val="bg1"/>
+              </a:solidFill>
+              <a:latin typeface="微软雅黑" panose="020B0503020204020204" pitchFamily="34" charset="-122"/>
+              <a:ea typeface="微软雅黑" panose="020B0503020204020204" pitchFamily="34" charset="-122"/>
+            </a:endParaRPr>
+          </a:p>
+          <a:p>
+            <a:r>
+              <a:rPr lang="zh-CN" altLang="en-US" dirty="0">
+                <a:solidFill>
+                  <a:schemeClr val="bg1"/>
+                </a:solidFill>
+                <a:latin typeface="微软雅黑" panose="020B0503020204020204" pitchFamily="34" charset="-122"/>
+                <a:ea typeface="微软雅黑" panose="020B0503020204020204" pitchFamily="34" charset="-122"/>
+              </a:rPr>
+              <a:t>所以一个矩阵和自己的转置矩阵相乘，将得到一个对称矩阵</a:t>
+            </a:r>
+            <a:endParaRPr lang="en-US" altLang="zh-CN" dirty="0">
+              <a:solidFill>
+                <a:schemeClr val="bg1"/>
+              </a:solidFill>
+              <a:latin typeface="微软雅黑" panose="020B0503020204020204" pitchFamily="34" charset="-122"/>
+              <a:ea typeface="微软雅黑" panose="020B0503020204020204" pitchFamily="34" charset="-122"/>
+            </a:endParaRPr>
+          </a:p>
+        </p:txBody>
+      </p:sp>
+      <p:pic>
+        <p:nvPicPr>
+          <p:cNvPr id="2" name="图片 1">
+            <a:extLst>
+              <a:ext uri="{FF2B5EF4-FFF2-40B4-BE49-F238E27FC236}">
+                <a16:creationId xmlns:a16="http://schemas.microsoft.com/office/drawing/2014/main" id="{9C75FAA7-46BF-49CD-A73B-7E76E1AA068B}"/>
+              </a:ext>
+            </a:extLst>
+          </p:cNvPr>
+          <p:cNvPicPr>
+            <a:picLocks noChangeAspect="1"/>
+          </p:cNvPicPr>
+          <p:nvPr/>
+        </p:nvPicPr>
+        <p:blipFill>
+          <a:blip r:embed="rId2"/>
+          <a:stretch>
+            <a:fillRect/>
+          </a:stretch>
+        </p:blipFill>
+        <p:spPr>
+          <a:xfrm>
+            <a:off x="9838539" y="1128872"/>
+            <a:ext cx="1209675" cy="371475"/>
+          </a:xfrm>
+          <a:prstGeom prst="rect">
+            <a:avLst/>
+          </a:prstGeom>
+        </p:spPr>
+      </p:pic>
+      <p:pic>
+        <p:nvPicPr>
+          <p:cNvPr id="4" name="图片 3">
+            <a:extLst>
+              <a:ext uri="{FF2B5EF4-FFF2-40B4-BE49-F238E27FC236}">
+                <a16:creationId xmlns:a16="http://schemas.microsoft.com/office/drawing/2014/main" id="{7CB4F95B-E925-4EF1-A5C1-408E6B904137}"/>
+              </a:ext>
+            </a:extLst>
+          </p:cNvPr>
+          <p:cNvPicPr>
+            <a:picLocks noChangeAspect="1"/>
+          </p:cNvPicPr>
+          <p:nvPr/>
+        </p:nvPicPr>
+        <p:blipFill>
+          <a:blip r:embed="rId3"/>
+          <a:stretch>
+            <a:fillRect/>
+          </a:stretch>
+        </p:blipFill>
+        <p:spPr>
+          <a:xfrm>
+            <a:off x="9554252" y="2140591"/>
+            <a:ext cx="1778248" cy="1653172"/>
+          </a:xfrm>
+          <a:prstGeom prst="rect">
+            <a:avLst/>
+          </a:prstGeom>
+        </p:spPr>
+      </p:pic>
+    </p:spTree>
+    <p:extLst>
+      <p:ext uri="{BB962C8B-B14F-4D97-AF65-F5344CB8AC3E}">
+        <p14:creationId xmlns:p14="http://schemas.microsoft.com/office/powerpoint/2010/main" val="513309025"/>
       </p:ext>
     </p:extLst>
   </p:cSld>
